--- a/基础PPT/JavaSE进阶第三版/第1章：Java数组简介.pptx
+++ b/基础PPT/JavaSE进阶第三版/第1章：Java数组简介.pptx
@@ -6814,7 +6814,23 @@
                   <a:schemeClr val="tx1"/>
                 </a:solidFill>
               </a:rPr>
-              <a:t>        System.out.println(Charset.defaultCharset().toString());</a:t>
+              <a:t>        System.out.println(Charset.defaultCharset().toString());  </a:t>
+            </a:r>
+            <a:r>
+              <a:rPr lang="en-US" altLang="zh-CN" sz="1200">
+                <a:solidFill>
+                  <a:schemeClr val="tx1"/>
+                </a:solidFill>
+              </a:rPr>
+              <a:t>// </a:t>
+            </a:r>
+            <a:r>
+              <a:rPr lang="zh-CN" altLang="en-US" sz="1200">
+                <a:solidFill>
+                  <a:schemeClr val="tx1"/>
+                </a:solidFill>
+              </a:rPr>
+              <a:t>查看默认编码格式</a:t>
             </a:r>
             <a:endParaRPr lang="zh-CN" altLang="en-US" sz="1200">
               <a:solidFill>
@@ -6888,6 +6904,84 @@
               <a:t>字符串转数组</a:t>
             </a:r>
             <a:endParaRPr lang="zh-CN" altLang="en-US"/>
+          </a:p>
+        </p:txBody>
+      </p:sp>
+      <p:sp>
+        <p:nvSpPr>
+          <p:cNvPr id="11" name="云形标注 10"/>
+          <p:cNvSpPr/>
+          <p:nvPr/>
+        </p:nvSpPr>
+        <p:spPr>
+          <a:xfrm>
+            <a:off x="9302115" y="828040"/>
+            <a:ext cx="2258695" cy="1302385"/>
+          </a:xfrm>
+          <a:prstGeom prst="cloudCallout">
+            <a:avLst>
+              <a:gd name="adj1" fmla="val -48256"/>
+              <a:gd name="adj2" fmla="val 91101"/>
+            </a:avLst>
+          </a:prstGeom>
+          <a:solidFill>
+            <a:srgbClr val="DBEEDF"/>
+          </a:solidFill>
+          <a:ln>
+            <a:solidFill>
+              <a:srgbClr val="DBEEDF"/>
+            </a:solidFill>
+          </a:ln>
+        </p:spPr>
+        <p:style>
+          <a:lnRef idx="2">
+            <a:schemeClr val="accent1">
+              <a:shade val="50000"/>
+            </a:schemeClr>
+          </a:lnRef>
+          <a:fillRef idx="1">
+            <a:schemeClr val="accent1"/>
+          </a:fillRef>
+          <a:effectRef idx="0">
+            <a:schemeClr val="accent1"/>
+          </a:effectRef>
+          <a:fontRef idx="minor">
+            <a:schemeClr val="lt1"/>
+          </a:fontRef>
+        </p:style>
+        <p:txBody>
+          <a:bodyPr rtlCol="0" anchor="ctr"/>
+          <a:p>
+            <a:pPr algn="ctr"/>
+            <a:r>
+              <a:rPr lang="zh-CN" altLang="en-US">
+                <a:solidFill>
+                  <a:srgbClr val="F7AF3F"/>
+                </a:solidFill>
+              </a:rPr>
+              <a:t>能力拓展</a:t>
+            </a:r>
+            <a:endParaRPr lang="zh-CN" altLang="en-US">
+              <a:solidFill>
+                <a:srgbClr val="F7AF3F"/>
+              </a:solidFill>
+            </a:endParaRPr>
+          </a:p>
+          <a:p>
+            <a:pPr algn="ctr"/>
+            <a:r>
+              <a:rPr lang="zh-CN" altLang="en-US">
+                <a:solidFill>
+                  <a:srgbClr val="F7AF3F"/>
+                </a:solidFill>
+              </a:rPr>
+              <a:t>（课后自学）</a:t>
+            </a:r>
+            <a:endParaRPr lang="zh-CN" altLang="en-US">
+              <a:solidFill>
+                <a:srgbClr val="F7AF3F"/>
+              </a:solidFill>
+            </a:endParaRPr>
           </a:p>
         </p:txBody>
       </p:sp>
@@ -8651,6 +8745,84 @@
               <a:t>范围拷贝</a:t>
             </a:r>
             <a:endParaRPr lang="zh-CN"/>
+          </a:p>
+        </p:txBody>
+      </p:sp>
+      <p:sp>
+        <p:nvSpPr>
+          <p:cNvPr id="11" name="云形标注 10"/>
+          <p:cNvSpPr/>
+          <p:nvPr/>
+        </p:nvSpPr>
+        <p:spPr>
+          <a:xfrm>
+            <a:off x="9302115" y="828040"/>
+            <a:ext cx="2258695" cy="1302385"/>
+          </a:xfrm>
+          <a:prstGeom prst="cloudCallout">
+            <a:avLst>
+              <a:gd name="adj1" fmla="val -48256"/>
+              <a:gd name="adj2" fmla="val 91101"/>
+            </a:avLst>
+          </a:prstGeom>
+          <a:solidFill>
+            <a:srgbClr val="DBEEDF"/>
+          </a:solidFill>
+          <a:ln>
+            <a:solidFill>
+              <a:srgbClr val="DBEEDF"/>
+            </a:solidFill>
+          </a:ln>
+        </p:spPr>
+        <p:style>
+          <a:lnRef idx="2">
+            <a:schemeClr val="accent1">
+              <a:shade val="50000"/>
+            </a:schemeClr>
+          </a:lnRef>
+          <a:fillRef idx="1">
+            <a:schemeClr val="accent1"/>
+          </a:fillRef>
+          <a:effectRef idx="0">
+            <a:schemeClr val="accent1"/>
+          </a:effectRef>
+          <a:fontRef idx="minor">
+            <a:schemeClr val="lt1"/>
+          </a:fontRef>
+        </p:style>
+        <p:txBody>
+          <a:bodyPr rtlCol="0" anchor="ctr"/>
+          <a:p>
+            <a:pPr algn="ctr"/>
+            <a:r>
+              <a:rPr lang="zh-CN" altLang="en-US">
+                <a:solidFill>
+                  <a:srgbClr val="F7AF3F"/>
+                </a:solidFill>
+              </a:rPr>
+              <a:t>能力拓展</a:t>
+            </a:r>
+            <a:endParaRPr lang="zh-CN" altLang="en-US">
+              <a:solidFill>
+                <a:srgbClr val="F7AF3F"/>
+              </a:solidFill>
+            </a:endParaRPr>
+          </a:p>
+          <a:p>
+            <a:pPr algn="ctr"/>
+            <a:r>
+              <a:rPr lang="zh-CN" altLang="en-US">
+                <a:solidFill>
+                  <a:srgbClr val="F7AF3F"/>
+                </a:solidFill>
+              </a:rPr>
+              <a:t>（课后自学）</a:t>
+            </a:r>
+            <a:endParaRPr lang="zh-CN" altLang="en-US">
+              <a:solidFill>
+                <a:srgbClr val="F7AF3F"/>
+              </a:solidFill>
+            </a:endParaRPr>
           </a:p>
         </p:txBody>
       </p:sp>
@@ -12434,7 +12606,18 @@
                 <a:ea typeface="宋体" panose="02010600030101010101" pitchFamily="2" charset="-122"/>
                 <a:cs typeface="宋体" panose="02010600030101010101" pitchFamily="2" charset="-122"/>
               </a:rPr>
-              <a:t>格式1: 动态初始化</a:t>
+              <a:t>格式1: </a:t>
+            </a:r>
+            <a:r>
+              <a:rPr lang="zh-CN" altLang="en-US" sz="1600" b="1">
+                <a:solidFill>
+                  <a:srgbClr val="FF0000"/>
+                </a:solidFill>
+                <a:latin typeface="宋体" panose="02010600030101010101" pitchFamily="2" charset="-122"/>
+                <a:ea typeface="宋体" panose="02010600030101010101" pitchFamily="2" charset="-122"/>
+                <a:cs typeface="宋体" panose="02010600030101010101" pitchFamily="2" charset="-122"/>
+              </a:rPr>
+              <a:t>动态初始化</a:t>
             </a:r>
             <a:endParaRPr lang="zh-CN" altLang="en-US" sz="1600">
               <a:latin typeface="宋体" panose="02010600030101010101" pitchFamily="2" charset="-122"/>
@@ -12530,7 +12713,18 @@
                 <a:ea typeface="宋体" panose="02010600030101010101" pitchFamily="2" charset="-122"/>
                 <a:cs typeface="宋体" panose="02010600030101010101" pitchFamily="2" charset="-122"/>
               </a:rPr>
-              <a:t>格式2: 静态初始化</a:t>
+              <a:t>格式2:</a:t>
+            </a:r>
+            <a:r>
+              <a:rPr lang="zh-CN" altLang="en-US" sz="1600" b="1">
+                <a:solidFill>
+                  <a:srgbClr val="FF0000"/>
+                </a:solidFill>
+                <a:latin typeface="宋体" panose="02010600030101010101" pitchFamily="2" charset="-122"/>
+                <a:ea typeface="宋体" panose="02010600030101010101" pitchFamily="2" charset="-122"/>
+                <a:cs typeface="宋体" panose="02010600030101010101" pitchFamily="2" charset="-122"/>
+              </a:rPr>
+              <a:t> 静态初始化</a:t>
             </a:r>
             <a:endParaRPr lang="zh-CN" altLang="en-US" sz="1600">
               <a:latin typeface="宋体" panose="02010600030101010101" pitchFamily="2" charset="-122"/>
@@ -12570,7 +12764,7 @@
                 <a:ea typeface="宋体" panose="02010600030101010101" pitchFamily="2" charset="-122"/>
                 <a:cs typeface="宋体" panose="02010600030101010101" pitchFamily="2" charset="-122"/>
               </a:rPr>
-              <a:t>举例：int [ ][ ]  arr={{22,15,32,20,18},{12,21,25,19,33},{14,58,34,24,66},};</a:t>
+              <a:t>举例：int [ ][ ] arr={{22,15,32,20,18},{12,21,25,19,33},{14,58,34,24,66},};</a:t>
             </a:r>
             <a:endParaRPr lang="zh-CN" altLang="en-US" sz="1600">
               <a:latin typeface="宋体" panose="02010600030101010101" pitchFamily="2" charset="-122"/>
@@ -13813,7 +14007,7 @@
           </p:nvPr>
         </p:nvGraphicFramePr>
         <p:xfrm>
-          <a:off x="1382395" y="4297045"/>
+          <a:off x="1355725" y="3841750"/>
           <a:ext cx="8527415" cy="1524000"/>
         </p:xfrm>
         <a:graphic>
@@ -13832,7 +14026,6 @@
                 <a:gridCol w="655955"/>
                 <a:gridCol w="655955"/>
                 <a:gridCol w="655955"/>
-                <a:gridCol w="665480"/>
                 <a:gridCol w="646430"/>
                 <a:gridCol w="655955"/>
                 <a:gridCol w="655955"/>
@@ -13925,18 +14118,6 @@
                       <a:pPr>
                         <a:buNone/>
                       </a:pPr>
-                      <a:r>
-                        <a:rPr lang="zh-CN" altLang="en-US"/>
-                        <a:t>【</a:t>
-                      </a:r>
-                      <a:r>
-                        <a:rPr lang="en-US" altLang="zh-CN"/>
-                        <a:t>0</a:t>
-                      </a:r>
-                      <a:r>
-                        <a:rPr lang="zh-CN" altLang="en-US"/>
-                        <a:t>】</a:t>
-                      </a:r>
                       <a:endParaRPr lang="zh-CN" altLang="en-US"/>
                     </a:p>
                   </a:txBody>
@@ -13953,18 +14134,6 @@
                       <a:pPr>
                         <a:buNone/>
                       </a:pPr>
-                      <a:r>
-                        <a:rPr lang="zh-CN" altLang="en-US"/>
-                        <a:t>【</a:t>
-                      </a:r>
-                      <a:r>
-                        <a:rPr lang="en-US" altLang="zh-CN"/>
-                        <a:t>1</a:t>
-                      </a:r>
-                      <a:r>
-                        <a:rPr lang="zh-CN" altLang="en-US"/>
-                        <a:t>】</a:t>
-                      </a:r>
                       <a:endParaRPr lang="zh-CN" altLang="en-US"/>
                     </a:p>
                   </a:txBody>
@@ -13981,18 +14150,6 @@
                       <a:pPr>
                         <a:buNone/>
                       </a:pPr>
-                      <a:r>
-                        <a:rPr lang="zh-CN" altLang="en-US"/>
-                        <a:t>【</a:t>
-                      </a:r>
-                      <a:r>
-                        <a:rPr lang="en-US" altLang="zh-CN"/>
-                        <a:t>2</a:t>
-                      </a:r>
-                      <a:r>
-                        <a:rPr lang="zh-CN" altLang="en-US"/>
-                        <a:t>】</a:t>
-                      </a:r>
                       <a:endParaRPr lang="zh-CN" altLang="en-US"/>
                     </a:p>
                   </a:txBody>
@@ -14009,44 +14166,12 @@
                       <a:pPr>
                         <a:buNone/>
                       </a:pPr>
-                      <a:r>
-                        <a:rPr lang="zh-CN" altLang="en-US"/>
-                        <a:t>【</a:t>
-                      </a:r>
-                      <a:r>
-                        <a:rPr lang="en-US" altLang="zh-CN"/>
-                        <a:t>3</a:t>
-                      </a:r>
-                      <a:r>
-                        <a:rPr lang="zh-CN" altLang="en-US"/>
-                        <a:t>】</a:t>
-                      </a:r>
                       <a:endParaRPr lang="zh-CN" altLang="en-US"/>
                     </a:p>
                   </a:txBody>
                   <a:tcPr>
                     <a:solidFill>
                       <a:srgbClr val="FFC000"/>
-                    </a:solidFill>
-                  </a:tcPr>
-                </a:tc>
-                <a:tc>
-                  <a:txBody>
-                    <a:bodyPr/>
-                    <a:p>
-                      <a:pPr>
-                        <a:buNone/>
-                      </a:pPr>
-                      <a:endParaRPr lang="zh-CN" altLang="en-US" b="0">
-                        <a:solidFill>
-                          <a:schemeClr val="dk1"/>
-                        </a:solidFill>
-                      </a:endParaRPr>
-                    </a:p>
-                  </a:txBody>
-                  <a:tcPr>
-                    <a:solidFill>
-                      <a:srgbClr val="DBEEDF"/>
                     </a:solidFill>
                   </a:tcPr>
                 </a:tc>
@@ -14105,659 +14230,6 @@
                   </a:tcPr>
                 </a:tc>
               </a:tr>
-              <a:tr h="381000">
-                <a:tc>
-                  <a:txBody>
-                    <a:bodyPr/>
-                    <a:p>
-                      <a:pPr>
-                        <a:buNone/>
-                      </a:pPr>
-                      <a:endParaRPr lang="zh-CN" altLang="en-US"/>
-                    </a:p>
-                  </a:txBody>
-                  <a:tcPr>
-                    <a:solidFill>
-                      <a:schemeClr val="bg2">
-                        <a:lumMod val="75000"/>
-                      </a:schemeClr>
-                    </a:solidFill>
-                  </a:tcPr>
-                </a:tc>
-                <a:tc>
-                  <a:txBody>
-                    <a:bodyPr/>
-                    <a:p>
-                      <a:pPr>
-                        <a:buNone/>
-                      </a:pPr>
-                      <a:endParaRPr lang="zh-CN" altLang="en-US"/>
-                    </a:p>
-                  </a:txBody>
-                  <a:tcPr>
-                    <a:solidFill>
-                      <a:schemeClr val="accent6">
-                        <a:lumMod val="60000"/>
-                        <a:lumOff val="40000"/>
-                      </a:schemeClr>
-                    </a:solidFill>
-                  </a:tcPr>
-                </a:tc>
-                <a:tc>
-                  <a:txBody>
-                    <a:bodyPr/>
-                    <a:p>
-                      <a:pPr>
-                        <a:buNone/>
-                      </a:pPr>
-                      <a:endParaRPr lang="zh-CN" altLang="en-US"/>
-                    </a:p>
-                  </a:txBody>
-                  <a:tcPr>
-                    <a:solidFill>
-                      <a:schemeClr val="accent6">
-                        <a:lumMod val="60000"/>
-                        <a:lumOff val="40000"/>
-                      </a:schemeClr>
-                    </a:solidFill>
-                  </a:tcPr>
-                </a:tc>
-                <a:tc>
-                  <a:txBody>
-                    <a:bodyPr/>
-                    <a:p>
-                      <a:pPr>
-                        <a:buNone/>
-                      </a:pPr>
-                      <a:endParaRPr lang="zh-CN" altLang="en-US"/>
-                    </a:p>
-                  </a:txBody>
-                  <a:tcPr>
-                    <a:solidFill>
-                      <a:schemeClr val="accent6">
-                        <a:lumMod val="60000"/>
-                        <a:lumOff val="40000"/>
-                      </a:schemeClr>
-                    </a:solidFill>
-                  </a:tcPr>
-                </a:tc>
-                <a:tc>
-                  <a:txBody>
-                    <a:bodyPr/>
-                    <a:p>
-                      <a:pPr>
-                        <a:buNone/>
-                      </a:pPr>
-                      <a:endParaRPr lang="zh-CN" altLang="en-US"/>
-                    </a:p>
-                  </a:txBody>
-                  <a:tcPr>
-                    <a:solidFill>
-                      <a:schemeClr val="tx2"/>
-                    </a:solidFill>
-                  </a:tcPr>
-                </a:tc>
-                <a:tc>
-                  <a:txBody>
-                    <a:bodyPr/>
-                    <a:p>
-                      <a:pPr>
-                        <a:buNone/>
-                      </a:pPr>
-                      <a:endParaRPr lang="zh-CN" altLang="en-US"/>
-                    </a:p>
-                  </a:txBody>
-                  <a:tcPr>
-                    <a:solidFill>
-                      <a:schemeClr val="tx2"/>
-                    </a:solidFill>
-                  </a:tcPr>
-                </a:tc>
-                <a:tc>
-                  <a:txBody>
-                    <a:bodyPr/>
-                    <a:p>
-                      <a:pPr>
-                        <a:buNone/>
-                      </a:pPr>
-                      <a:endParaRPr lang="zh-CN" altLang="en-US"/>
-                    </a:p>
-                  </a:txBody>
-                  <a:tcPr>
-                    <a:solidFill>
-                      <a:schemeClr val="tx2"/>
-                    </a:solidFill>
-                  </a:tcPr>
-                </a:tc>
-                <a:tc>
-                  <a:txBody>
-                    <a:bodyPr/>
-                    <a:p>
-                      <a:pPr>
-                        <a:buNone/>
-                      </a:pPr>
-                      <a:endParaRPr lang="zh-CN" altLang="en-US"/>
-                    </a:p>
-                  </a:txBody>
-                  <a:tcPr>
-                    <a:solidFill>
-                      <a:schemeClr val="accent6">
-                        <a:lumMod val="60000"/>
-                        <a:lumOff val="40000"/>
-                      </a:schemeClr>
-                    </a:solidFill>
-                  </a:tcPr>
-                </a:tc>
-                <a:tc>
-                  <a:txBody>
-                    <a:bodyPr/>
-                    <a:p>
-                      <a:pPr>
-                        <a:buNone/>
-                      </a:pPr>
-                      <a:endParaRPr lang="zh-CN" altLang="en-US"/>
-                    </a:p>
-                  </a:txBody>
-                  <a:tcPr>
-                    <a:solidFill>
-                      <a:schemeClr val="accent6">
-                        <a:lumMod val="60000"/>
-                        <a:lumOff val="40000"/>
-                      </a:schemeClr>
-                    </a:solidFill>
-                  </a:tcPr>
-                </a:tc>
-                <a:tc>
-                  <a:txBody>
-                    <a:bodyPr/>
-                    <a:p>
-                      <a:pPr>
-                        <a:buNone/>
-                      </a:pPr>
-                      <a:endParaRPr lang="zh-CN" altLang="en-US"/>
-                    </a:p>
-                  </a:txBody>
-                  <a:tcPr>
-                    <a:solidFill>
-                      <a:schemeClr val="accent6">
-                        <a:lumMod val="60000"/>
-                        <a:lumOff val="40000"/>
-                      </a:schemeClr>
-                    </a:solidFill>
-                  </a:tcPr>
-                </a:tc>
-                <a:tc>
-                  <a:txBody>
-                    <a:bodyPr/>
-                    <a:p>
-                      <a:pPr>
-                        <a:buNone/>
-                      </a:pPr>
-                      <a:endParaRPr lang="zh-CN" altLang="en-US"/>
-                    </a:p>
-                  </a:txBody>
-                  <a:tcPr>
-                    <a:solidFill>
-                      <a:schemeClr val="accent6">
-                        <a:lumMod val="60000"/>
-                        <a:lumOff val="40000"/>
-                      </a:schemeClr>
-                    </a:solidFill>
-                  </a:tcPr>
-                </a:tc>
-                <a:tc>
-                  <a:txBody>
-                    <a:bodyPr/>
-                    <a:p>
-                      <a:pPr>
-                        <a:buNone/>
-                      </a:pPr>
-                      <a:endParaRPr lang="zh-CN" altLang="en-US"/>
-                    </a:p>
-                  </a:txBody>
-                  <a:tcPr>
-                    <a:solidFill>
-                      <a:srgbClr val="E2F9D0"/>
-                    </a:solidFill>
-                  </a:tcPr>
-                </a:tc>
-                <a:tc>
-                  <a:txBody>
-                    <a:bodyPr/>
-                    <a:p>
-                      <a:pPr>
-                        <a:buNone/>
-                      </a:pPr>
-                      <a:endParaRPr lang="zh-CN" altLang="en-US"/>
-                    </a:p>
-                  </a:txBody>
-                  <a:tcPr>
-                    <a:solidFill>
-                      <a:srgbClr val="E2F9D0"/>
-                    </a:solidFill>
-                  </a:tcPr>
-                </a:tc>
-              </a:tr>
-              <a:tr h="381000">
-                <a:tc>
-                  <a:txBody>
-                    <a:bodyPr/>
-                    <a:p>
-                      <a:pPr>
-                        <a:buNone/>
-                      </a:pPr>
-                      <a:endParaRPr lang="zh-CN" altLang="en-US"/>
-                    </a:p>
-                  </a:txBody>
-                  <a:tcPr>
-                    <a:solidFill>
-                      <a:srgbClr val="E2F9D0"/>
-                    </a:solidFill>
-                  </a:tcPr>
-                </a:tc>
-                <a:tc>
-                  <a:txBody>
-                    <a:bodyPr/>
-                    <a:p>
-                      <a:pPr>
-                        <a:buNone/>
-                      </a:pPr>
-                      <a:endParaRPr lang="zh-CN" altLang="en-US"/>
-                    </a:p>
-                  </a:txBody>
-                  <a:tcPr>
-                    <a:solidFill>
-                      <a:srgbClr val="E2F9D0"/>
-                    </a:solidFill>
-                  </a:tcPr>
-                </a:tc>
-                <a:tc>
-                  <a:txBody>
-                    <a:bodyPr/>
-                    <a:p>
-                      <a:pPr>
-                        <a:buNone/>
-                      </a:pPr>
-                      <a:endParaRPr lang="zh-CN" altLang="en-US"/>
-                    </a:p>
-                  </a:txBody>
-                  <a:tcPr>
-                    <a:solidFill>
-                      <a:srgbClr val="E2F9D0"/>
-                    </a:solidFill>
-                  </a:tcPr>
-                </a:tc>
-                <a:tc>
-                  <a:txBody>
-                    <a:bodyPr/>
-                    <a:p>
-                      <a:pPr>
-                        <a:buNone/>
-                      </a:pPr>
-                      <a:endParaRPr lang="zh-CN" altLang="en-US"/>
-                    </a:p>
-                  </a:txBody>
-                  <a:tcPr>
-                    <a:solidFill>
-                      <a:srgbClr val="E2F9D0"/>
-                    </a:solidFill>
-                  </a:tcPr>
-                </a:tc>
-                <a:tc>
-                  <a:txBody>
-                    <a:bodyPr/>
-                    <a:p>
-                      <a:pPr>
-                        <a:buNone/>
-                      </a:pPr>
-                      <a:endParaRPr lang="zh-CN" altLang="en-US"/>
-                    </a:p>
-                  </a:txBody>
-                  <a:tcPr>
-                    <a:solidFill>
-                      <a:schemeClr val="tx2"/>
-                    </a:solidFill>
-                  </a:tcPr>
-                </a:tc>
-                <a:tc>
-                  <a:txBody>
-                    <a:bodyPr/>
-                    <a:p>
-                      <a:pPr>
-                        <a:buNone/>
-                      </a:pPr>
-                      <a:endParaRPr lang="zh-CN" altLang="en-US"/>
-                    </a:p>
-                  </a:txBody>
-                  <a:tcPr>
-                    <a:solidFill>
-                      <a:schemeClr val="tx2"/>
-                    </a:solidFill>
-                  </a:tcPr>
-                </a:tc>
-                <a:tc>
-                  <a:txBody>
-                    <a:bodyPr/>
-                    <a:p>
-                      <a:pPr>
-                        <a:buNone/>
-                      </a:pPr>
-                      <a:endParaRPr lang="zh-CN" altLang="en-US"/>
-                    </a:p>
-                  </a:txBody>
-                  <a:tcPr>
-                    <a:solidFill>
-                      <a:schemeClr val="tx2"/>
-                    </a:solidFill>
-                  </a:tcPr>
-                </a:tc>
-                <a:tc>
-                  <a:txBody>
-                    <a:bodyPr/>
-                    <a:p>
-                      <a:pPr>
-                        <a:buNone/>
-                      </a:pPr>
-                      <a:endParaRPr lang="zh-CN" altLang="en-US"/>
-                    </a:p>
-                  </a:txBody>
-                  <a:tcPr>
-                    <a:solidFill>
-                      <a:schemeClr val="tx2"/>
-                    </a:solidFill>
-                  </a:tcPr>
-                </a:tc>
-                <a:tc>
-                  <a:txBody>
-                    <a:bodyPr/>
-                    <a:p>
-                      <a:pPr>
-                        <a:buNone/>
-                      </a:pPr>
-                      <a:endParaRPr lang="zh-CN" altLang="en-US"/>
-                    </a:p>
-                  </a:txBody>
-                  <a:tcPr>
-                    <a:solidFill>
-                      <a:schemeClr val="tx2"/>
-                    </a:solidFill>
-                  </a:tcPr>
-                </a:tc>
-                <a:tc>
-                  <a:txBody>
-                    <a:bodyPr/>
-                    <a:p>
-                      <a:pPr>
-                        <a:buNone/>
-                      </a:pPr>
-                      <a:endParaRPr lang="zh-CN" altLang="en-US"/>
-                    </a:p>
-                  </a:txBody>
-                  <a:tcPr>
-                    <a:solidFill>
-                      <a:schemeClr val="tx2"/>
-                    </a:solidFill>
-                  </a:tcPr>
-                </a:tc>
-                <a:tc>
-                  <a:txBody>
-                    <a:bodyPr/>
-                    <a:p>
-                      <a:pPr>
-                        <a:buNone/>
-                      </a:pPr>
-                      <a:endParaRPr lang="zh-CN" altLang="en-US"/>
-                    </a:p>
-                  </a:txBody>
-                  <a:tcPr>
-                    <a:solidFill>
-                      <a:schemeClr val="tx2"/>
-                    </a:solidFill>
-                  </a:tcPr>
-                </a:tc>
-                <a:tc>
-                  <a:txBody>
-                    <a:bodyPr/>
-                    <a:p>
-                      <a:pPr>
-                        <a:buNone/>
-                      </a:pPr>
-                      <a:endParaRPr lang="zh-CN" altLang="en-US"/>
-                    </a:p>
-                  </a:txBody>
-                  <a:tcPr>
-                    <a:solidFill>
-                      <a:schemeClr val="tx2"/>
-                    </a:solidFill>
-                  </a:tcPr>
-                </a:tc>
-                <a:tc>
-                  <a:txBody>
-                    <a:bodyPr/>
-                    <a:p>
-                      <a:pPr>
-                        <a:buNone/>
-                      </a:pPr>
-                      <a:endParaRPr lang="zh-CN" altLang="en-US"/>
-                    </a:p>
-                  </a:txBody>
-                  <a:tcPr>
-                    <a:solidFill>
-                      <a:schemeClr val="tx2"/>
-                    </a:solidFill>
-                  </a:tcPr>
-                </a:tc>
-              </a:tr>
-              <a:tr h="381000">
-                <a:tc>
-                  <a:txBody>
-                    <a:bodyPr/>
-                    <a:p>
-                      <a:pPr>
-                        <a:buNone/>
-                      </a:pPr>
-                      <a:endParaRPr lang="zh-CN" altLang="en-US"/>
-                    </a:p>
-                  </a:txBody>
-                  <a:tcPr>
-                    <a:solidFill>
-                      <a:schemeClr val="tx2"/>
-                    </a:solidFill>
-                  </a:tcPr>
-                </a:tc>
-                <a:tc>
-                  <a:txBody>
-                    <a:bodyPr/>
-                    <a:p>
-                      <a:pPr>
-                        <a:buNone/>
-                      </a:pPr>
-                      <a:endParaRPr lang="zh-CN" altLang="en-US"/>
-                    </a:p>
-                  </a:txBody>
-                  <a:tcPr>
-                    <a:solidFill>
-                      <a:schemeClr val="tx2"/>
-                    </a:solidFill>
-                  </a:tcPr>
-                </a:tc>
-                <a:tc>
-                  <a:txBody>
-                    <a:bodyPr/>
-                    <a:p>
-                      <a:pPr>
-                        <a:buNone/>
-                      </a:pPr>
-                      <a:endParaRPr lang="zh-CN" altLang="en-US"/>
-                    </a:p>
-                  </a:txBody>
-                  <a:tcPr>
-                    <a:solidFill>
-                      <a:schemeClr val="tx2"/>
-                    </a:solidFill>
-                  </a:tcPr>
-                </a:tc>
-                <a:tc>
-                  <a:txBody>
-                    <a:bodyPr/>
-                    <a:p>
-                      <a:pPr>
-                        <a:buNone/>
-                      </a:pPr>
-                      <a:endParaRPr lang="zh-CN" altLang="en-US"/>
-                    </a:p>
-                  </a:txBody>
-                  <a:tcPr>
-                    <a:solidFill>
-                      <a:schemeClr val="tx2"/>
-                    </a:solidFill>
-                  </a:tcPr>
-                </a:tc>
-                <a:tc>
-                  <a:txBody>
-                    <a:bodyPr/>
-                    <a:p>
-                      <a:pPr>
-                        <a:buNone/>
-                      </a:pPr>
-                      <a:endParaRPr lang="zh-CN" altLang="en-US"/>
-                    </a:p>
-                  </a:txBody>
-                  <a:tcPr>
-                    <a:solidFill>
-                      <a:schemeClr val="tx2"/>
-                    </a:solidFill>
-                  </a:tcPr>
-                </a:tc>
-                <a:tc>
-                  <a:txBody>
-                    <a:bodyPr/>
-                    <a:p>
-                      <a:pPr>
-                        <a:buNone/>
-                      </a:pPr>
-                      <a:endParaRPr lang="zh-CN" altLang="en-US"/>
-                    </a:p>
-                  </a:txBody>
-                  <a:tcPr>
-                    <a:solidFill>
-                      <a:schemeClr val="tx2"/>
-                    </a:solidFill>
-                  </a:tcPr>
-                </a:tc>
-                <a:tc>
-                  <a:txBody>
-                    <a:bodyPr/>
-                    <a:p>
-                      <a:pPr>
-                        <a:buNone/>
-                      </a:pPr>
-                      <a:endParaRPr lang="zh-CN" altLang="en-US"/>
-                    </a:p>
-                  </a:txBody>
-                  <a:tcPr>
-                    <a:solidFill>
-                      <a:schemeClr val="tx2"/>
-                    </a:solidFill>
-                  </a:tcPr>
-                </a:tc>
-                <a:tc>
-                  <a:txBody>
-                    <a:bodyPr/>
-                    <a:p>
-                      <a:pPr>
-                        <a:buNone/>
-                      </a:pPr>
-                      <a:endParaRPr lang="zh-CN" altLang="en-US"/>
-                    </a:p>
-                  </a:txBody>
-                  <a:tcPr>
-                    <a:solidFill>
-                      <a:schemeClr val="tx2"/>
-                    </a:solidFill>
-                  </a:tcPr>
-                </a:tc>
-                <a:tc>
-                  <a:txBody>
-                    <a:bodyPr/>
-                    <a:p>
-                      <a:pPr>
-                        <a:buNone/>
-                      </a:pPr>
-                      <a:endParaRPr lang="zh-CN" altLang="en-US"/>
-                    </a:p>
-                  </a:txBody>
-                  <a:tcPr>
-                    <a:solidFill>
-                      <a:schemeClr val="tx2"/>
-                    </a:solidFill>
-                  </a:tcPr>
-                </a:tc>
-                <a:tc>
-                  <a:txBody>
-                    <a:bodyPr/>
-                    <a:p>
-                      <a:pPr>
-                        <a:buNone/>
-                      </a:pPr>
-                      <a:endParaRPr lang="zh-CN" altLang="en-US"/>
-                    </a:p>
-                  </a:txBody>
-                  <a:tcPr>
-                    <a:solidFill>
-                      <a:schemeClr val="tx2"/>
-                    </a:solidFill>
-                  </a:tcPr>
-                </a:tc>
-                <a:tc>
-                  <a:txBody>
-                    <a:bodyPr/>
-                    <a:p>
-                      <a:pPr>
-                        <a:buNone/>
-                      </a:pPr>
-                      <a:endParaRPr lang="zh-CN" altLang="en-US"/>
-                    </a:p>
-                  </a:txBody>
-                  <a:tcPr>
-                    <a:solidFill>
-                      <a:schemeClr val="tx2"/>
-                    </a:solidFill>
-                  </a:tcPr>
-                </a:tc>
-                <a:tc>
-                  <a:txBody>
-                    <a:bodyPr/>
-                    <a:p>
-                      <a:pPr>
-                        <a:buNone/>
-                      </a:pPr>
-                      <a:endParaRPr lang="zh-CN" altLang="en-US"/>
-                    </a:p>
-                  </a:txBody>
-                  <a:tcPr>
-                    <a:solidFill>
-                      <a:schemeClr val="tx2"/>
-                    </a:solidFill>
-                  </a:tcPr>
-                </a:tc>
-                <a:tc>
-                  <a:txBody>
-                    <a:bodyPr/>
-                    <a:p>
-                      <a:pPr>
-                        <a:buNone/>
-                      </a:pPr>
-                      <a:endParaRPr lang="zh-CN" altLang="en-US"/>
-                    </a:p>
-                  </a:txBody>
-                  <a:tcPr>
-                    <a:solidFill>
-                      <a:schemeClr val="tx2"/>
-                    </a:solidFill>
-                  </a:tcPr>
-                </a:tc>
-              </a:tr>
             </a:tbl>
           </a:graphicData>
         </a:graphic>
@@ -14770,7 +14242,7 @@
         </p:nvSpPr>
         <p:spPr>
           <a:xfrm>
-            <a:off x="553720" y="3859530"/>
+            <a:off x="563245" y="3422650"/>
             <a:ext cx="1029335" cy="374650"/>
           </a:xfrm>
           <a:prstGeom prst="flowChartMultidocument">
@@ -14824,7 +14296,7 @@
         </p:nvSpPr>
         <p:spPr>
           <a:xfrm>
-            <a:off x="4601845" y="4252595"/>
+            <a:off x="4575175" y="3797300"/>
             <a:ext cx="2741930" cy="438150"/>
           </a:xfrm>
           <a:prstGeom prst="rect">
@@ -14878,7 +14350,7 @@
         </p:nvSpPr>
         <p:spPr>
           <a:xfrm>
-            <a:off x="6668770" y="3468370"/>
+            <a:off x="6642100" y="3013075"/>
             <a:ext cx="3113405" cy="736600"/>
           </a:xfrm>
           <a:prstGeom prst="cloudCallout">
@@ -14918,29 +14390,593 @@
       </p:sp>
       <p:sp>
         <p:nvSpPr>
-          <p:cNvPr id="22" name="矩形 21"/>
+          <p:cNvPr id="3" name="文本框 2"/>
+          <p:cNvSpPr txBox="1"/>
+          <p:nvPr/>
+        </p:nvSpPr>
+        <p:spPr>
+          <a:xfrm>
+            <a:off x="4532630" y="3422650"/>
+            <a:ext cx="2109470" cy="306705"/>
+          </a:xfrm>
+          <a:prstGeom prst="rect">
+            <a:avLst/>
+          </a:prstGeom>
+          <a:noFill/>
+        </p:spPr>
+        <p:txBody>
+          <a:bodyPr wrap="none" rtlCol="0">
+            <a:spAutoFit/>
+          </a:bodyPr>
+          <a:p>
+            <a:r>
+              <a:rPr lang="zh-CN" altLang="en-US" sz="1400">
+                <a:solidFill>
+                  <a:srgbClr val="FF0000"/>
+                </a:solidFill>
+              </a:rPr>
+              <a:t>数组容量 </a:t>
+            </a:r>
+            <a:r>
+              <a:rPr lang="en-US" altLang="zh-CN" sz="1400">
+                <a:solidFill>
+                  <a:srgbClr val="FF0000"/>
+                </a:solidFill>
+              </a:rPr>
+              <a:t>N</a:t>
+            </a:r>
+            <a:r>
+              <a:rPr lang="zh-CN" altLang="en-US" sz="1400">
+                <a:solidFill>
+                  <a:srgbClr val="FF0000"/>
+                </a:solidFill>
+              </a:rPr>
+              <a:t>（此处为 </a:t>
+            </a:r>
+            <a:r>
+              <a:rPr lang="en-US" altLang="zh-CN" sz="1400">
+                <a:solidFill>
+                  <a:srgbClr val="FF0000"/>
+                </a:solidFill>
+              </a:rPr>
+              <a:t>4</a:t>
+            </a:r>
+            <a:r>
+              <a:rPr lang="zh-CN" altLang="en-US" sz="1400">
+                <a:solidFill>
+                  <a:srgbClr val="FF0000"/>
+                </a:solidFill>
+              </a:rPr>
+              <a:t>）</a:t>
+            </a:r>
+            <a:endParaRPr lang="zh-CN" altLang="en-US" sz="1400">
+              <a:solidFill>
+                <a:srgbClr val="FF0000"/>
+              </a:solidFill>
+            </a:endParaRPr>
+          </a:p>
+        </p:txBody>
+      </p:sp>
+      <p:sp>
+        <p:nvSpPr>
+          <p:cNvPr id="4" name="文本框 3"/>
+          <p:cNvSpPr txBox="1"/>
+          <p:nvPr/>
+        </p:nvSpPr>
+        <p:spPr>
+          <a:xfrm>
+            <a:off x="4006850" y="4324350"/>
+            <a:ext cx="3458845" cy="306705"/>
+          </a:xfrm>
+          <a:prstGeom prst="rect">
+            <a:avLst/>
+          </a:prstGeom>
+          <a:noFill/>
+        </p:spPr>
+        <p:txBody>
+          <a:bodyPr wrap="none" rtlCol="0">
+            <a:spAutoFit/>
+          </a:bodyPr>
+          <a:p>
+            <a:r>
+              <a:rPr lang="zh-CN" sz="1400">
+                <a:solidFill>
+                  <a:srgbClr val="FF0000"/>
+                </a:solidFill>
+              </a:rPr>
+              <a:t>索引         </a:t>
+            </a:r>
+            <a:r>
+              <a:rPr lang="en-US" altLang="zh-CN" sz="1400">
+                <a:solidFill>
+                  <a:srgbClr val="FF0000"/>
+                </a:solidFill>
+              </a:rPr>
+              <a:t>0           1           2       3</a:t>
+            </a:r>
+            <a:r>
+              <a:rPr lang="zh-CN" altLang="en-US" sz="1400">
+                <a:solidFill>
+                  <a:srgbClr val="FF0000"/>
+                </a:solidFill>
+              </a:rPr>
+              <a:t>（</a:t>
+            </a:r>
+            <a:r>
+              <a:rPr lang="en-US" altLang="zh-CN" sz="1400">
+                <a:solidFill>
+                  <a:srgbClr val="FF0000"/>
+                </a:solidFill>
+              </a:rPr>
+              <a:t>N-1</a:t>
+            </a:r>
+            <a:r>
+              <a:rPr lang="zh-CN" altLang="en-US" sz="1400">
+                <a:solidFill>
+                  <a:srgbClr val="FF0000"/>
+                </a:solidFill>
+              </a:rPr>
+              <a:t>）</a:t>
+            </a:r>
+            <a:endParaRPr lang="zh-CN" altLang="en-US" sz="1400">
+              <a:solidFill>
+                <a:srgbClr val="FF0000"/>
+              </a:solidFill>
+            </a:endParaRPr>
+          </a:p>
+        </p:txBody>
+      </p:sp>
+      <p:sp>
+        <p:nvSpPr>
+          <p:cNvPr id="5" name="文本框 4"/>
+          <p:cNvSpPr txBox="1"/>
+          <p:nvPr/>
+        </p:nvSpPr>
+        <p:spPr>
+          <a:xfrm>
+            <a:off x="3951605" y="4706620"/>
+            <a:ext cx="3271520" cy="306705"/>
+          </a:xfrm>
+          <a:prstGeom prst="rect">
+            <a:avLst/>
+          </a:prstGeom>
+          <a:noFill/>
+        </p:spPr>
+        <p:txBody>
+          <a:bodyPr wrap="none" rtlCol="0">
+            <a:spAutoFit/>
+          </a:bodyPr>
+          <a:p>
+            <a:r>
+              <a:rPr lang="zh-CN" sz="1400">
+                <a:solidFill>
+                  <a:srgbClr val="FF0000"/>
+                </a:solidFill>
+              </a:rPr>
+              <a:t>内存地址  </a:t>
+            </a:r>
+            <a:r>
+              <a:rPr lang="en-US" altLang="zh-CN" sz="1400">
+                <a:solidFill>
+                  <a:srgbClr val="FF0000"/>
+                </a:solidFill>
+              </a:rPr>
+              <a:t>1001</a:t>
+            </a:r>
+            <a:r>
+              <a:rPr lang="en-US" altLang="zh-CN" sz="1400">
+                <a:solidFill>
+                  <a:srgbClr val="FF0000"/>
+                </a:solidFill>
+              </a:rPr>
+              <a:t>    1002     1003     1004</a:t>
+            </a:r>
+            <a:endParaRPr lang="zh-CN" altLang="en-US" sz="1400">
+              <a:solidFill>
+                <a:srgbClr val="FF0000"/>
+              </a:solidFill>
+            </a:endParaRPr>
+          </a:p>
+        </p:txBody>
+      </p:sp>
+      <p:graphicFrame>
+        <p:nvGraphicFramePr>
+          <p:cNvPr id="7" name="表格 6"/>
+          <p:cNvGraphicFramePr/>
+          <p:nvPr>
+            <p:custDataLst>
+              <p:tags r:id="rId3"/>
+            </p:custDataLst>
+          </p:nvPr>
+        </p:nvGraphicFramePr>
+        <p:xfrm>
+          <a:off x="1391920" y="5342255"/>
+          <a:ext cx="8527415" cy="1524000"/>
+        </p:xfrm>
+        <a:graphic>
+          <a:graphicData uri="http://schemas.openxmlformats.org/drawingml/2006/table">
+            <a:tbl>
+              <a:tblPr firstRow="1" bandRow="1">
+                <a:tableStyleId>{5C22544A-7EE6-4342-B048-85BDC9FD1C3A}</a:tableStyleId>
+              </a:tblPr>
+              <a:tblGrid>
+                <a:gridCol w="655955"/>
+                <a:gridCol w="655955"/>
+                <a:gridCol w="655955"/>
+                <a:gridCol w="655955"/>
+                <a:gridCol w="655955"/>
+                <a:gridCol w="655955"/>
+                <a:gridCol w="655955"/>
+                <a:gridCol w="655955"/>
+                <a:gridCol w="655955"/>
+                <a:gridCol w="646430"/>
+                <a:gridCol w="655955"/>
+                <a:gridCol w="655955"/>
+              </a:tblGrid>
+              <a:tr h="381000">
+                <a:tc>
+                  <a:txBody>
+                    <a:bodyPr/>
+                    <a:p>
+                      <a:pPr>
+                        <a:buNone/>
+                      </a:pPr>
+                      <a:endParaRPr lang="zh-CN" altLang="en-US"/>
+                    </a:p>
+                  </a:txBody>
+                  <a:tcPr>
+                    <a:solidFill>
+                      <a:schemeClr val="accent1"/>
+                    </a:solidFill>
+                  </a:tcPr>
+                </a:tc>
+                <a:tc>
+                  <a:txBody>
+                    <a:bodyPr/>
+                    <a:p>
+                      <a:pPr>
+                        <a:buNone/>
+                      </a:pPr>
+                      <a:endParaRPr lang="zh-CN" altLang="en-US"/>
+                    </a:p>
+                  </a:txBody>
+                  <a:tcPr>
+                    <a:solidFill>
+                      <a:schemeClr val="accent1"/>
+                    </a:solidFill>
+                  </a:tcPr>
+                </a:tc>
+                <a:tc>
+                  <a:txBody>
+                    <a:bodyPr/>
+                    <a:p>
+                      <a:pPr>
+                        <a:buNone/>
+                      </a:pPr>
+                      <a:endParaRPr lang="zh-CN" altLang="en-US"/>
+                    </a:p>
+                  </a:txBody>
+                  <a:tcPr>
+                    <a:solidFill>
+                      <a:schemeClr val="accent1"/>
+                    </a:solidFill>
+                  </a:tcPr>
+                </a:tc>
+                <a:tc>
+                  <a:txBody>
+                    <a:bodyPr/>
+                    <a:p>
+                      <a:pPr>
+                        <a:buNone/>
+                      </a:pPr>
+                      <a:endParaRPr lang="zh-CN" altLang="en-US"/>
+                    </a:p>
+                  </a:txBody>
+                  <a:tcPr>
+                    <a:solidFill>
+                      <a:schemeClr val="accent1"/>
+                    </a:solidFill>
+                  </a:tcPr>
+                </a:tc>
+                <a:tc>
+                  <a:txBody>
+                    <a:bodyPr/>
+                    <a:p>
+                      <a:pPr>
+                        <a:buNone/>
+                      </a:pPr>
+                      <a:endParaRPr lang="zh-CN" altLang="en-US"/>
+                    </a:p>
+                  </a:txBody>
+                  <a:tcPr>
+                    <a:solidFill>
+                      <a:schemeClr val="accent1"/>
+                    </a:solidFill>
+                  </a:tcPr>
+                </a:tc>
+                <a:tc>
+                  <a:txBody>
+                    <a:bodyPr/>
+                    <a:p>
+                      <a:pPr>
+                        <a:buNone/>
+                      </a:pPr>
+                      <a:endParaRPr lang="zh-CN" altLang="en-US"/>
+                    </a:p>
+                  </a:txBody>
+                  <a:tcPr>
+                    <a:solidFill>
+                      <a:srgbClr val="FFC000"/>
+                    </a:solidFill>
+                  </a:tcPr>
+                </a:tc>
+                <a:tc>
+                  <a:txBody>
+                    <a:bodyPr/>
+                    <a:p>
+                      <a:pPr>
+                        <a:buNone/>
+                      </a:pPr>
+                      <a:endParaRPr lang="zh-CN" altLang="en-US"/>
+                    </a:p>
+                  </a:txBody>
+                  <a:tcPr>
+                    <a:solidFill>
+                      <a:srgbClr val="FFC000"/>
+                    </a:solidFill>
+                  </a:tcPr>
+                </a:tc>
+                <a:tc>
+                  <a:txBody>
+                    <a:bodyPr/>
+                    <a:p>
+                      <a:pPr>
+                        <a:buNone/>
+                      </a:pPr>
+                      <a:endParaRPr lang="zh-CN" altLang="en-US"/>
+                    </a:p>
+                  </a:txBody>
+                  <a:tcPr>
+                    <a:solidFill>
+                      <a:srgbClr val="FFC000"/>
+                    </a:solidFill>
+                  </a:tcPr>
+                </a:tc>
+                <a:tc>
+                  <a:txBody>
+                    <a:bodyPr/>
+                    <a:p>
+                      <a:pPr>
+                        <a:buNone/>
+                      </a:pPr>
+                      <a:endParaRPr lang="zh-CN" altLang="en-US"/>
+                    </a:p>
+                  </a:txBody>
+                  <a:tcPr>
+                    <a:solidFill>
+                      <a:srgbClr val="FFC000"/>
+                    </a:solidFill>
+                  </a:tcPr>
+                </a:tc>
+                <a:tc>
+                  <a:txBody>
+                    <a:bodyPr/>
+                    <a:p>
+                      <a:pPr>
+                        <a:buNone/>
+                      </a:pPr>
+                      <a:r>
+                        <a:rPr lang="en-US" altLang="zh-CN">
+                          <a:solidFill>
+                            <a:srgbClr val="FFC000"/>
+                          </a:solidFill>
+                        </a:rPr>
+                        <a:t>......</a:t>
+                      </a:r>
+                      <a:endParaRPr lang="en-US" altLang="zh-CN">
+                        <a:solidFill>
+                          <a:srgbClr val="FFC000"/>
+                        </a:solidFill>
+                      </a:endParaRPr>
+                    </a:p>
+                  </a:txBody>
+                  <a:tcPr>
+                    <a:noFill/>
+                  </a:tcPr>
+                </a:tc>
+                <a:tc>
+                  <a:txBody>
+                    <a:bodyPr/>
+                    <a:p>
+                      <a:pPr algn="l">
+                        <a:buClrTx/>
+                        <a:buSzTx/>
+                        <a:buFontTx/>
+                        <a:buNone/>
+                      </a:pPr>
+                      <a:endParaRPr lang="zh-CN" altLang="en-US"/>
+                    </a:p>
+                  </a:txBody>
+                  <a:tcPr>
+                    <a:solidFill>
+                      <a:srgbClr val="FFC000"/>
+                    </a:solidFill>
+                  </a:tcPr>
+                </a:tc>
+                <a:tc>
+                  <a:txBody>
+                    <a:bodyPr/>
+                    <a:p>
+                      <a:pPr algn="l">
+                        <a:buClrTx/>
+                        <a:buSzTx/>
+                        <a:buFontTx/>
+                        <a:buNone/>
+                      </a:pPr>
+                      <a:endParaRPr lang="zh-CN" altLang="en-US"/>
+                    </a:p>
+                  </a:txBody>
+                  <a:tcPr>
+                    <a:solidFill>
+                      <a:srgbClr val="FFC000"/>
+                    </a:solidFill>
+                  </a:tcPr>
+                </a:tc>
+              </a:tr>
+            </a:tbl>
+          </a:graphicData>
+        </a:graphic>
+      </p:graphicFrame>
+      <p:sp>
+        <p:nvSpPr>
+          <p:cNvPr id="8" name="文本框 7"/>
+          <p:cNvSpPr txBox="1"/>
+          <p:nvPr/>
+        </p:nvSpPr>
+        <p:spPr>
+          <a:xfrm>
+            <a:off x="4062095" y="5768340"/>
+            <a:ext cx="5991225" cy="306705"/>
+          </a:xfrm>
+          <a:prstGeom prst="rect">
+            <a:avLst/>
+          </a:prstGeom>
+          <a:noFill/>
+        </p:spPr>
+        <p:txBody>
+          <a:bodyPr wrap="none" rtlCol="0">
+            <a:spAutoFit/>
+          </a:bodyPr>
+          <a:p>
+            <a:r>
+              <a:rPr lang="zh-CN" sz="1400">
+                <a:solidFill>
+                  <a:srgbClr val="FF0000"/>
+                </a:solidFill>
+              </a:rPr>
+              <a:t>索引         </a:t>
+            </a:r>
+            <a:r>
+              <a:rPr lang="en-US" altLang="zh-CN" sz="1400">
+                <a:solidFill>
+                  <a:srgbClr val="FF0000"/>
+                </a:solidFill>
+              </a:rPr>
+              <a:t>0           1           2       3			100000</a:t>
+            </a:r>
+            <a:r>
+              <a:rPr lang="zh-CN" altLang="en-US" sz="1400">
+                <a:solidFill>
+                  <a:srgbClr val="FF0000"/>
+                </a:solidFill>
+              </a:rPr>
+              <a:t>（</a:t>
+            </a:r>
+            <a:r>
+              <a:rPr lang="en-US" altLang="zh-CN" sz="1400">
+                <a:solidFill>
+                  <a:srgbClr val="FF0000"/>
+                </a:solidFill>
+              </a:rPr>
+              <a:t>N-1</a:t>
+            </a:r>
+            <a:r>
+              <a:rPr lang="zh-CN" altLang="en-US" sz="1400">
+                <a:solidFill>
+                  <a:srgbClr val="FF0000"/>
+                </a:solidFill>
+              </a:rPr>
+              <a:t>）</a:t>
+            </a:r>
+            <a:endParaRPr lang="zh-CN" altLang="en-US" sz="1400">
+              <a:solidFill>
+                <a:srgbClr val="FF0000"/>
+              </a:solidFill>
+            </a:endParaRPr>
+          </a:p>
+        </p:txBody>
+      </p:sp>
+      <p:sp>
+        <p:nvSpPr>
+          <p:cNvPr id="9" name="文本框 8"/>
+          <p:cNvSpPr txBox="1"/>
+          <p:nvPr/>
+        </p:nvSpPr>
+        <p:spPr>
+          <a:xfrm>
+            <a:off x="4006850" y="6150610"/>
+            <a:ext cx="5948680" cy="306705"/>
+          </a:xfrm>
+          <a:prstGeom prst="rect">
+            <a:avLst/>
+          </a:prstGeom>
+          <a:noFill/>
+        </p:spPr>
+        <p:txBody>
+          <a:bodyPr wrap="none" rtlCol="0">
+            <a:spAutoFit/>
+          </a:bodyPr>
+          <a:p>
+            <a:r>
+              <a:rPr lang="zh-CN" sz="1400">
+                <a:solidFill>
+                  <a:srgbClr val="FF0000"/>
+                </a:solidFill>
+              </a:rPr>
+              <a:t>内存地址  </a:t>
+            </a:r>
+            <a:r>
+              <a:rPr lang="en-US" altLang="zh-CN" sz="1400">
+                <a:solidFill>
+                  <a:srgbClr val="FF0000"/>
+                </a:solidFill>
+              </a:rPr>
+              <a:t>1001</a:t>
+            </a:r>
+            <a:r>
+              <a:rPr lang="en-US" altLang="zh-CN" sz="1400">
+                <a:solidFill>
+                  <a:srgbClr val="FF0000"/>
+                </a:solidFill>
+              </a:rPr>
+              <a:t>    1002     1003     1004		1001 + 100000</a:t>
+            </a:r>
+            <a:endParaRPr lang="zh-CN" altLang="en-US" sz="1400">
+              <a:solidFill>
+                <a:srgbClr val="FF0000"/>
+              </a:solidFill>
+            </a:endParaRPr>
+          </a:p>
+        </p:txBody>
+      </p:sp>
+      <p:sp>
+        <p:nvSpPr>
+          <p:cNvPr id="19" name="矩形 18"/>
           <p:cNvSpPr/>
           <p:nvPr/>
         </p:nvSpPr>
         <p:spPr>
           <a:xfrm>
-            <a:off x="2004060" y="4671060"/>
-            <a:ext cx="2052320" cy="402590"/>
+            <a:off x="10125075" y="5496560"/>
+            <a:ext cx="1904365" cy="1146810"/>
           </a:xfrm>
           <a:prstGeom prst="rect">
             <a:avLst/>
           </a:prstGeom>
           <a:noFill/>
-          <a:ln w="28575">
+          <a:ln>
             <a:solidFill>
-              <a:srgbClr val="FF0000"/>
+              <a:schemeClr val="bg1"/>
             </a:solidFill>
           </a:ln>
           <a:extLst>
             <a:ext uri="{909E8E84-426E-40DD-AFC4-6F175D3DCCD1}">
               <a14:hiddenFill xmlns:a14="http://schemas.microsoft.com/office/drawing/2010/main">
                 <a:solidFill>
-                  <a:schemeClr val="accent1"/>
+                  <a:schemeClr val="tx1">
+                    <a:lumMod val="65000"/>
+                    <a:lumOff val="35000"/>
+                  </a:schemeClr>
                 </a:solidFill>
               </a14:hiddenFill>
             </a:ext>
@@ -14965,25 +15001,76 @@
         <p:txBody>
           <a:bodyPr rtlCol="0" anchor="ctr"/>
           <a:p>
-            <a:pPr algn="ctr"/>
-            <a:endParaRPr lang="zh-CN" altLang="en-US"/>
+            <a:pPr algn="l"/>
+            <a:r>
+              <a:rPr lang="en-US" altLang="zh-CN" sz="1400">
+                <a:solidFill>
+                  <a:schemeClr val="accent1"/>
+                </a:solidFill>
+              </a:rPr>
+              <a:t>10 w </a:t>
+            </a:r>
+            <a:r>
+              <a:rPr lang="zh-CN" altLang="en-US" sz="1400">
+                <a:solidFill>
+                  <a:schemeClr val="accent1"/>
+                </a:solidFill>
+              </a:rPr>
+              <a:t>个元素和 </a:t>
+            </a:r>
+            <a:r>
+              <a:rPr lang="en-US" altLang="zh-CN" sz="1400">
+                <a:solidFill>
+                  <a:schemeClr val="accent1"/>
+                </a:solidFill>
+              </a:rPr>
+              <a:t>4 </a:t>
+            </a:r>
+            <a:r>
+              <a:rPr lang="zh-CN" altLang="en-US" sz="1400">
+                <a:solidFill>
+                  <a:schemeClr val="accent1"/>
+                </a:solidFill>
+              </a:rPr>
+              <a:t>个元素随机访问效率是一样的，同时通过内存地址计算得到，不用大量的移位</a:t>
+            </a:r>
+            <a:endParaRPr lang="zh-CN" altLang="en-US" sz="1400">
+              <a:solidFill>
+                <a:schemeClr val="accent1"/>
+              </a:solidFill>
+            </a:endParaRPr>
           </a:p>
         </p:txBody>
       </p:sp>
       <p:sp>
         <p:nvSpPr>
-          <p:cNvPr id="23" name="半闭框 22"/>
+          <p:cNvPr id="10" name="矩形 9"/>
           <p:cNvSpPr/>
           <p:nvPr/>
         </p:nvSpPr>
         <p:spPr>
-          <a:xfrm rot="2220000">
-            <a:off x="2571115" y="5071745"/>
-            <a:ext cx="346075" cy="245745"/>
+          <a:xfrm>
+            <a:off x="10053320" y="5496560"/>
+            <a:ext cx="1976120" cy="1202690"/>
           </a:xfrm>
-          <a:prstGeom prst="halfFrame">
+          <a:prstGeom prst="rect">
             <a:avLst/>
           </a:prstGeom>
+          <a:noFill/>
+          <a:ln w="28575">
+            <a:solidFill>
+              <a:schemeClr val="accent1"/>
+            </a:solidFill>
+          </a:ln>
+          <a:extLst>
+            <a:ext uri="{909E8E84-426E-40DD-AFC4-6F175D3DCCD1}">
+              <a14:hiddenFill xmlns:a14="http://schemas.microsoft.com/office/drawing/2010/main">
+                <a:solidFill>
+                  <a:schemeClr val="accent1"/>
+                </a:solidFill>
+              </a14:hiddenFill>
+            </a:ext>
+          </a:extLst>
         </p:spPr>
         <p:style>
           <a:lnRef idx="2">
@@ -15005,50 +15092,13 @@
           <a:bodyPr rtlCol="0" anchor="ctr"/>
           <a:p>
             <a:pPr algn="ctr"/>
-            <a:endParaRPr lang="zh-CN" altLang="en-US">
-              <a:solidFill>
-                <a:schemeClr val="tx1"/>
-              </a:solidFill>
-            </a:endParaRPr>
-          </a:p>
-        </p:txBody>
-      </p:sp>
-      <p:sp>
-        <p:nvSpPr>
-          <p:cNvPr id="24" name="文本框 23"/>
-          <p:cNvSpPr txBox="1"/>
-          <p:nvPr/>
-        </p:nvSpPr>
-        <p:spPr>
-          <a:xfrm>
-            <a:off x="2389505" y="5299710"/>
-            <a:ext cx="5262880" cy="368300"/>
-          </a:xfrm>
-          <a:prstGeom prst="rect">
-            <a:avLst/>
-          </a:prstGeom>
-          <a:noFill/>
-        </p:spPr>
-        <p:txBody>
-          <a:bodyPr wrap="none" rtlCol="0">
-            <a:spAutoFit/>
-          </a:bodyPr>
-          <a:p>
-            <a:r>
-              <a:rPr lang="en-US" altLang="zh-CN"/>
-              <a:t>ArrayList </a:t>
-            </a:r>
-            <a:r>
-              <a:rPr lang="zh-CN" altLang="en-US"/>
-              <a:t>插入元素会有移位或者重新拷贝性能损耗</a:t>
-            </a:r>
             <a:endParaRPr lang="zh-CN" altLang="en-US"/>
           </a:p>
         </p:txBody>
       </p:sp>
     </p:spTree>
     <p:custDataLst>
-      <p:tags r:id="rId3"/>
+      <p:tags r:id="rId4"/>
     </p:custDataLst>
   </p:cSld>
   <p:clrMapOvr>
@@ -15218,6 +15268,503 @@
               <a:latin typeface="宋体" panose="02010600030101010101" pitchFamily="2" charset="-122"/>
               <a:ea typeface="宋体" panose="02010600030101010101" pitchFamily="2" charset="-122"/>
               <a:cs typeface="宋体" panose="02010600030101010101" pitchFamily="2" charset="-122"/>
+            </a:endParaRPr>
+          </a:p>
+        </p:txBody>
+      </p:sp>
+      <p:sp>
+        <p:nvSpPr>
+          <p:cNvPr id="9" name="右大括号 8"/>
+          <p:cNvSpPr/>
+          <p:nvPr/>
+        </p:nvSpPr>
+        <p:spPr>
+          <a:xfrm>
+            <a:off x="2098040" y="3553460"/>
+            <a:ext cx="491490" cy="2489200"/>
+          </a:xfrm>
+          <a:prstGeom prst="rightBrace">
+            <a:avLst/>
+          </a:prstGeom>
+          <a:ln w="28575"/>
+        </p:spPr>
+        <p:style>
+          <a:lnRef idx="1">
+            <a:schemeClr val="accent1"/>
+          </a:lnRef>
+          <a:fillRef idx="0">
+            <a:schemeClr val="accent1"/>
+          </a:fillRef>
+          <a:effectRef idx="0">
+            <a:schemeClr val="accent1"/>
+          </a:effectRef>
+          <a:fontRef idx="minor">
+            <a:schemeClr val="tx1"/>
+          </a:fontRef>
+        </p:style>
+        <p:txBody>
+          <a:bodyPr rtlCol="0" anchor="ctr"/>
+          <a:p>
+            <a:pPr algn="ctr"/>
+            <a:endParaRPr lang="zh-CN" altLang="en-US"/>
+          </a:p>
+        </p:txBody>
+      </p:sp>
+      <p:sp>
+        <p:nvSpPr>
+          <p:cNvPr id="3" name="文本框 2"/>
+          <p:cNvSpPr txBox="1"/>
+          <p:nvPr/>
+        </p:nvSpPr>
+        <p:spPr>
+          <a:xfrm>
+            <a:off x="657860" y="3474085"/>
+            <a:ext cx="1440180" cy="2676525"/>
+          </a:xfrm>
+          <a:prstGeom prst="rect">
+            <a:avLst/>
+          </a:prstGeom>
+          <a:noFill/>
+        </p:spPr>
+        <p:txBody>
+          <a:bodyPr wrap="square" rtlCol="0">
+            <a:spAutoFit/>
+          </a:bodyPr>
+          <a:p>
+            <a:pPr algn="l"/>
+            <a:r>
+              <a:rPr lang="en-US" altLang="zh-CN" sz="1400"/>
+              <a:t>double salary1</a:t>
+            </a:r>
+            <a:endParaRPr lang="en-US" altLang="zh-CN" sz="1400"/>
+          </a:p>
+          <a:p>
+            <a:pPr algn="l"/>
+            <a:r>
+              <a:rPr lang="en-US" altLang="zh-CN" sz="1400">
+                <a:sym typeface="+mn-ea"/>
+              </a:rPr>
+              <a:t>double salary2</a:t>
+            </a:r>
+            <a:endParaRPr lang="en-US" altLang="zh-CN" sz="1400"/>
+          </a:p>
+          <a:p>
+            <a:pPr algn="l"/>
+            <a:r>
+              <a:rPr lang="en-US" altLang="zh-CN" sz="1400">
+                <a:sym typeface="+mn-ea"/>
+              </a:rPr>
+              <a:t>double salary3</a:t>
+            </a:r>
+            <a:endParaRPr lang="en-US" altLang="zh-CN" sz="1400"/>
+          </a:p>
+          <a:p>
+            <a:pPr algn="l"/>
+            <a:r>
+              <a:rPr lang="en-US" altLang="zh-CN" sz="1400">
+                <a:sym typeface="+mn-ea"/>
+              </a:rPr>
+              <a:t>double salary4</a:t>
+            </a:r>
+            <a:endParaRPr lang="en-US" altLang="zh-CN" sz="1400"/>
+          </a:p>
+          <a:p>
+            <a:pPr algn="l"/>
+            <a:r>
+              <a:rPr lang="en-US" altLang="zh-CN" sz="1400">
+                <a:sym typeface="+mn-ea"/>
+              </a:rPr>
+              <a:t>double salary5</a:t>
+            </a:r>
+            <a:endParaRPr lang="en-US" altLang="zh-CN" sz="1400"/>
+          </a:p>
+          <a:p>
+            <a:pPr algn="l"/>
+            <a:r>
+              <a:rPr lang="en-US" altLang="zh-CN" sz="1400">
+                <a:sym typeface="+mn-ea"/>
+              </a:rPr>
+              <a:t>double salary6</a:t>
+            </a:r>
+            <a:endParaRPr lang="en-US" altLang="zh-CN" sz="1400"/>
+          </a:p>
+          <a:p>
+            <a:pPr algn="l"/>
+            <a:r>
+              <a:rPr lang="en-US" altLang="zh-CN" sz="1400">
+                <a:sym typeface="+mn-ea"/>
+              </a:rPr>
+              <a:t>double salary7</a:t>
+            </a:r>
+            <a:endParaRPr lang="en-US" altLang="zh-CN" sz="1400"/>
+          </a:p>
+          <a:p>
+            <a:pPr algn="l"/>
+            <a:r>
+              <a:rPr lang="en-US" altLang="zh-CN" sz="1400">
+                <a:sym typeface="+mn-ea"/>
+              </a:rPr>
+              <a:t>double salary8</a:t>
+            </a:r>
+            <a:endParaRPr lang="en-US" altLang="zh-CN" sz="1400"/>
+          </a:p>
+          <a:p>
+            <a:pPr algn="l"/>
+            <a:r>
+              <a:rPr lang="en-US" altLang="zh-CN" sz="1400">
+                <a:sym typeface="+mn-ea"/>
+              </a:rPr>
+              <a:t>double salary9</a:t>
+            </a:r>
+            <a:endParaRPr lang="en-US" altLang="zh-CN" sz="1400"/>
+          </a:p>
+          <a:p>
+            <a:pPr algn="l"/>
+            <a:r>
+              <a:rPr lang="en-US" altLang="zh-CN" sz="1400">
+                <a:sym typeface="+mn-ea"/>
+              </a:rPr>
+              <a:t>double salary10</a:t>
+            </a:r>
+            <a:endParaRPr lang="en-US" altLang="zh-CN" sz="1400"/>
+          </a:p>
+          <a:p>
+            <a:pPr algn="l"/>
+            <a:r>
+              <a:rPr lang="en-US" altLang="zh-CN" sz="1400">
+                <a:sym typeface="+mn-ea"/>
+              </a:rPr>
+              <a:t>double salary11</a:t>
+            </a:r>
+            <a:endParaRPr lang="en-US" altLang="zh-CN" sz="1400"/>
+          </a:p>
+          <a:p>
+            <a:pPr algn="l"/>
+            <a:r>
+              <a:rPr lang="en-US" altLang="zh-CN" sz="1400">
+                <a:sym typeface="+mn-ea"/>
+              </a:rPr>
+              <a:t>double salary12</a:t>
+            </a:r>
+            <a:endParaRPr lang="en-US" altLang="zh-CN" sz="1400"/>
+          </a:p>
+        </p:txBody>
+      </p:sp>
+      <p:sp>
+        <p:nvSpPr>
+          <p:cNvPr id="4" name="文本框 3"/>
+          <p:cNvSpPr txBox="1"/>
+          <p:nvPr/>
+        </p:nvSpPr>
+        <p:spPr>
+          <a:xfrm>
+            <a:off x="2752725" y="4658995"/>
+            <a:ext cx="2805430" cy="306705"/>
+          </a:xfrm>
+          <a:prstGeom prst="rect">
+            <a:avLst/>
+          </a:prstGeom>
+          <a:noFill/>
+        </p:spPr>
+        <p:txBody>
+          <a:bodyPr wrap="square" rtlCol="0">
+            <a:spAutoFit/>
+          </a:bodyPr>
+          <a:p>
+            <a:pPr algn="l"/>
+            <a:r>
+              <a:rPr lang="en-US" altLang="zh-CN" sz="1400"/>
+              <a:t>double[] salary = new double[12];</a:t>
+            </a:r>
+            <a:endParaRPr lang="en-US" altLang="zh-CN" sz="1400"/>
+          </a:p>
+        </p:txBody>
+      </p:sp>
+      <p:sp>
+        <p:nvSpPr>
+          <p:cNvPr id="10" name="矩形 9"/>
+          <p:cNvSpPr/>
+          <p:nvPr/>
+        </p:nvSpPr>
+        <p:spPr>
+          <a:xfrm>
+            <a:off x="5558155" y="4256405"/>
+            <a:ext cx="3251200" cy="1111885"/>
+          </a:xfrm>
+          <a:prstGeom prst="rect">
+            <a:avLst/>
+          </a:prstGeom>
+          <a:noFill/>
+          <a:ln w="28575">
+            <a:solidFill>
+              <a:schemeClr val="accent1"/>
+            </a:solidFill>
+          </a:ln>
+          <a:extLst>
+            <a:ext uri="{909E8E84-426E-40DD-AFC4-6F175D3DCCD1}">
+              <a14:hiddenFill xmlns:a14="http://schemas.microsoft.com/office/drawing/2010/main">
+                <a:solidFill>
+                  <a:schemeClr val="accent1"/>
+                </a:solidFill>
+              </a14:hiddenFill>
+            </a:ext>
+          </a:extLst>
+        </p:spPr>
+        <p:style>
+          <a:lnRef idx="2">
+            <a:schemeClr val="accent1">
+              <a:shade val="50000"/>
+            </a:schemeClr>
+          </a:lnRef>
+          <a:fillRef idx="1">
+            <a:schemeClr val="accent1"/>
+          </a:fillRef>
+          <a:effectRef idx="0">
+            <a:schemeClr val="accent1"/>
+          </a:effectRef>
+          <a:fontRef idx="minor">
+            <a:schemeClr val="lt1"/>
+          </a:fontRef>
+        </p:style>
+        <p:txBody>
+          <a:bodyPr rtlCol="0" anchor="ctr"/>
+          <a:p>
+            <a:pPr algn="l"/>
+            <a:r>
+              <a:rPr lang="zh-CN" altLang="en-US" sz="1400">
+                <a:solidFill>
+                  <a:schemeClr val="accent1"/>
+                </a:solidFill>
+              </a:rPr>
+              <a:t>在程序中合理地使用数组，会使程序的结构比较整齐，而且可以把较为复杂的运算，转化成简单的数组操作来表示。可以使代码大大地简化。</a:t>
+            </a:r>
+            <a:endParaRPr lang="zh-CN" altLang="en-US" sz="1400">
+              <a:solidFill>
+                <a:schemeClr val="accent1"/>
+              </a:solidFill>
+            </a:endParaRPr>
+          </a:p>
+        </p:txBody>
+      </p:sp>
+      <p:sp>
+        <p:nvSpPr>
+          <p:cNvPr id="20" name="云形标注 19"/>
+          <p:cNvSpPr/>
+          <p:nvPr/>
+        </p:nvSpPr>
+        <p:spPr>
+          <a:xfrm>
+            <a:off x="2844165" y="3474085"/>
+            <a:ext cx="3113405" cy="736600"/>
+          </a:xfrm>
+          <a:prstGeom prst="cloudCallout">
+            <a:avLst>
+              <a:gd name="adj1" fmla="val -42698"/>
+              <a:gd name="adj2" fmla="val 70258"/>
+            </a:avLst>
+          </a:prstGeom>
+        </p:spPr>
+        <p:style>
+          <a:lnRef idx="2">
+            <a:schemeClr val="accent1">
+              <a:shade val="50000"/>
+            </a:schemeClr>
+          </a:lnRef>
+          <a:fillRef idx="1">
+            <a:schemeClr val="accent1"/>
+          </a:fillRef>
+          <a:effectRef idx="0">
+            <a:schemeClr val="accent1"/>
+          </a:effectRef>
+          <a:fontRef idx="minor">
+            <a:schemeClr val="lt1"/>
+          </a:fontRef>
+        </p:style>
+        <p:txBody>
+          <a:bodyPr rtlCol="0" anchor="ctr"/>
+          <a:p>
+            <a:pPr algn="ctr"/>
+            <a:r>
+              <a:rPr lang="zh-CN" altLang="en-US"/>
+              <a:t>使用数组可以简化复杂的场景</a:t>
+            </a:r>
+            <a:endParaRPr lang="zh-CN" altLang="en-US"/>
+          </a:p>
+        </p:txBody>
+      </p:sp>
+      <p:sp>
+        <p:nvSpPr>
+          <p:cNvPr id="14" name="矩形 13"/>
+          <p:cNvSpPr/>
+          <p:nvPr/>
+        </p:nvSpPr>
+        <p:spPr>
+          <a:xfrm>
+            <a:off x="2489200" y="5648960"/>
+            <a:ext cx="6320155" cy="393700"/>
+          </a:xfrm>
+          <a:prstGeom prst="rect">
+            <a:avLst/>
+          </a:prstGeom>
+          <a:solidFill>
+            <a:schemeClr val="bg1">
+              <a:lumMod val="50000"/>
+            </a:schemeClr>
+          </a:solidFill>
+          <a:ln>
+            <a:solidFill>
+              <a:schemeClr val="bg1"/>
+            </a:solidFill>
+          </a:ln>
+        </p:spPr>
+        <p:style>
+          <a:lnRef idx="2">
+            <a:schemeClr val="accent1">
+              <a:shade val="50000"/>
+            </a:schemeClr>
+          </a:lnRef>
+          <a:fillRef idx="1">
+            <a:schemeClr val="accent1"/>
+          </a:fillRef>
+          <a:effectRef idx="0">
+            <a:schemeClr val="accent1"/>
+          </a:effectRef>
+          <a:fontRef idx="minor">
+            <a:schemeClr val="lt1"/>
+          </a:fontRef>
+        </p:style>
+        <p:txBody>
+          <a:bodyPr rtlCol="0" anchor="ctr"/>
+          <a:p>
+            <a:pPr algn="ctr"/>
+            <a:r>
+              <a:rPr lang="en-US" altLang="zh-CN" sz="1200">
+                <a:solidFill>
+                  <a:schemeClr val="bg1"/>
+                </a:solidFill>
+                <a:latin typeface="+mn-ea"/>
+                <a:cs typeface="+mn-ea"/>
+                <a:sym typeface="+mn-ea"/>
+              </a:rPr>
+              <a:t>12 </a:t>
+            </a:r>
+            <a:r>
+              <a:rPr lang="zh-CN" altLang="en-US" sz="1200">
+                <a:solidFill>
+                  <a:schemeClr val="bg1"/>
+                </a:solidFill>
+                <a:latin typeface="+mn-ea"/>
+                <a:cs typeface="+mn-ea"/>
+                <a:sym typeface="+mn-ea"/>
+              </a:rPr>
+              <a:t>个月的工资定义 </a:t>
+            </a:r>
+            <a:r>
+              <a:rPr lang="en-US" altLang="zh-CN" sz="1200">
+                <a:solidFill>
+                  <a:schemeClr val="bg1"/>
+                </a:solidFill>
+                <a:latin typeface="+mn-ea"/>
+                <a:cs typeface="+mn-ea"/>
+                <a:sym typeface="+mn-ea"/>
+              </a:rPr>
+              <a:t>12 </a:t>
+            </a:r>
+            <a:r>
+              <a:rPr lang="zh-CN" altLang="en-US" sz="1200">
+                <a:solidFill>
+                  <a:schemeClr val="bg1"/>
+                </a:solidFill>
+                <a:latin typeface="+mn-ea"/>
+                <a:cs typeface="+mn-ea"/>
+                <a:sym typeface="+mn-ea"/>
+              </a:rPr>
+              <a:t>个 </a:t>
+            </a:r>
+            <a:r>
+              <a:rPr lang="en-US" altLang="zh-CN" sz="1200">
+                <a:solidFill>
+                  <a:schemeClr val="bg1"/>
+                </a:solidFill>
+                <a:latin typeface="+mn-ea"/>
+                <a:cs typeface="+mn-ea"/>
+                <a:sym typeface="+mn-ea"/>
+              </a:rPr>
+              <a:t>double </a:t>
+            </a:r>
+            <a:r>
+              <a:rPr lang="zh-CN" altLang="en-US" sz="1200">
+                <a:solidFill>
+                  <a:schemeClr val="bg1"/>
+                </a:solidFill>
+                <a:latin typeface="+mn-ea"/>
+                <a:cs typeface="+mn-ea"/>
+                <a:sym typeface="+mn-ea"/>
+              </a:rPr>
+              <a:t>变量，可以改进成一个 </a:t>
+            </a:r>
+            <a:r>
+              <a:rPr lang="en-US" altLang="zh-CN" sz="1200">
+                <a:solidFill>
+                  <a:schemeClr val="bg1"/>
+                </a:solidFill>
+                <a:latin typeface="+mn-ea"/>
+                <a:cs typeface="+mn-ea"/>
+                <a:sym typeface="+mn-ea"/>
+              </a:rPr>
+              <a:t>12 </a:t>
+            </a:r>
+            <a:r>
+              <a:rPr lang="zh-CN" altLang="en-US" sz="1200">
+                <a:solidFill>
+                  <a:schemeClr val="bg1"/>
+                </a:solidFill>
+                <a:latin typeface="+mn-ea"/>
+                <a:cs typeface="+mn-ea"/>
+                <a:sym typeface="+mn-ea"/>
+              </a:rPr>
+              <a:t>个元素容量的 </a:t>
+            </a:r>
+            <a:r>
+              <a:rPr lang="en-US" altLang="zh-CN" sz="1200">
+                <a:solidFill>
+                  <a:schemeClr val="bg1"/>
+                </a:solidFill>
+                <a:latin typeface="+mn-ea"/>
+                <a:cs typeface="+mn-ea"/>
+                <a:sym typeface="+mn-ea"/>
+              </a:rPr>
+              <a:t>double </a:t>
+            </a:r>
+            <a:r>
+              <a:rPr lang="zh-CN" altLang="en-US" sz="1200">
+                <a:solidFill>
+                  <a:schemeClr val="bg1"/>
+                </a:solidFill>
+                <a:latin typeface="+mn-ea"/>
+                <a:cs typeface="+mn-ea"/>
+                <a:sym typeface="+mn-ea"/>
+              </a:rPr>
+              <a:t>数组</a:t>
+            </a:r>
+            <a:r>
+              <a:rPr lang="zh-CN" altLang="en-US" sz="1200">
+                <a:solidFill>
+                  <a:schemeClr val="bg1"/>
+                </a:solidFill>
+                <a:latin typeface="+mn-ea"/>
+                <a:cs typeface="+mn-ea"/>
+                <a:sym typeface="+mn-ea"/>
+              </a:rPr>
+              <a:t> </a:t>
+            </a:r>
+            <a:endParaRPr lang="zh-CN" altLang="en-US" sz="1200">
+              <a:solidFill>
+                <a:schemeClr val="bg1"/>
+              </a:solidFill>
+              <a:latin typeface="+mn-ea"/>
+              <a:cs typeface="+mn-ea"/>
+              <a:sym typeface="+mn-ea"/>
             </a:endParaRPr>
           </a:p>
         </p:txBody>
@@ -16230,7 +16777,16 @@
                   <a:schemeClr val="tx1"/>
                 </a:solidFill>
               </a:rPr>
-              <a:t>        // 方式4</a:t>
+              <a:t>        // 方式4,</a:t>
+            </a:r>
+            <a:r>
+              <a:rPr lang="zh-CN" altLang="en-US" sz="1200">
+                <a:solidFill>
+                  <a:schemeClr val="tx1"/>
+                </a:solidFill>
+                <a:sym typeface="+mn-ea"/>
+              </a:rPr>
+              <a:t>静态初始化</a:t>
             </a:r>
             <a:endParaRPr lang="zh-CN" altLang="en-US" sz="1200">
               <a:solidFill>
@@ -17648,6 +18204,15 @@
 </file>
 
 <file path=ppt/tags/tag100.xml><?xml version="1.0" encoding="utf-8"?>
+<p:tagLst xmlns:p="http://schemas.openxmlformats.org/presentationml/2006/main">
+  <p:tag name="KSO_WM_BEAUTIFY_FLAG" val="#wm#"/>
+  <p:tag name="KSO_WM_TEMPLATE_CATEGORY" val="custom"/>
+  <p:tag name="KSO_WM_TEMPLATE_INDEX" val="20203858"/>
+  <p:tag name="KSO_WM_SPECIAL_SOURCE" val="bdnull"/>
+</p:tagLst>
+</file>
+
+<file path=ppt/tags/tag101.xml><?xml version="1.0" encoding="utf-8"?>
 <p:tagLst xmlns:p="http://schemas.openxmlformats.org/presentationml/2006/main">
   <p:tag name="KSO_WM_BEAUTIFY_FLAG" val="#wm#"/>
   <p:tag name="KSO_WM_TEMPLATE_CATEGORY" val="custom"/>
@@ -18675,10 +19240,7 @@
 
 <file path=ppt/tags/tag82.xml><?xml version="1.0" encoding="utf-8"?>
 <p:tagLst xmlns:p="http://schemas.openxmlformats.org/presentationml/2006/main">
-  <p:tag name="KSO_WM_BEAUTIFY_FLAG" val="#wm#"/>
-  <p:tag name="KSO_WM_TEMPLATE_CATEGORY" val="custom"/>
-  <p:tag name="KSO_WM_TEMPLATE_INDEX" val="20203858"/>
-  <p:tag name="KSO_WM_SPECIAL_SOURCE" val="bdnull"/>
+  <p:tag name="KSO_WM_UNIT_TABLE_BEAUTIFY" val="smartTable{9a89318f-9649-400a-a081-442ceca3ffce}"/>
 </p:tagLst>
 </file>
 
